--- a/世界變.pptx
+++ b/世界變.pptx
@@ -10,7 +10,13 @@
     <p:sldId id="258" r:id="rId4"/>
     <p:sldId id="259" r:id="rId5"/>
     <p:sldId id="260" r:id="rId6"/>
-    <p:sldId id="262" r:id="rId7"/>
+    <p:sldId id="261" r:id="rId7"/>
+    <p:sldId id="262" r:id="rId8"/>
+    <p:sldId id="263" r:id="rId9"/>
+    <p:sldId id="264" r:id="rId10"/>
+    <p:sldId id="265" r:id="rId11"/>
+    <p:sldId id="266" r:id="rId12"/>
+    <p:sldId id="267" r:id="rId13"/>
   </p:sldIdLst>
   <p:sldSz cx="9144000" cy="5143500" type="screen16x9"/>
   <p:notesSz cx="6858000" cy="9144000"/>
@@ -109,6 +115,22 @@
       </a:defRPr>
     </a:lvl9pPr>
   </p:defaultTextStyle>
+  <p:extLst>
+    <p:ext uri="{EFAFB233-063F-42B5-8137-9DF3F51BA10A}">
+      <p15:sldGuideLst xmlns:p15="http://schemas.microsoft.com/office/powerpoint/2012/main">
+        <p15:guide id="1" orient="horz" pos="1620">
+          <p15:clr>
+            <a:srgbClr val="A4A3A4"/>
+          </p15:clr>
+        </p15:guide>
+        <p15:guide id="2" pos="2880">
+          <p15:clr>
+            <a:srgbClr val="A4A3A4"/>
+          </p15:clr>
+        </p15:guide>
+      </p15:sldGuideLst>
+    </p:ext>
+  </p:extLst>
 </p:presentation>
 </file>
 
@@ -294,7 +316,7 @@
             <a:fld id="{50B7D10B-4187-4003-BEAD-E0953BC479C6}" type="datetimeFigureOut">
               <a:rPr lang="zh-TW" altLang="en-US" smtClean="0"/>
               <a:pPr/>
-              <a:t>2020/6/16</a:t>
+              <a:t>2020/11/13</a:t>
             </a:fld>
             <a:endParaRPr lang="zh-TW" altLang="en-US"/>
           </a:p>
@@ -461,7 +483,7 @@
             <a:fld id="{50B7D10B-4187-4003-BEAD-E0953BC479C6}" type="datetimeFigureOut">
               <a:rPr lang="zh-TW" altLang="en-US" smtClean="0"/>
               <a:pPr/>
-              <a:t>2020/6/16</a:t>
+              <a:t>2020/11/13</a:t>
             </a:fld>
             <a:endParaRPr lang="zh-TW" altLang="en-US"/>
           </a:p>
@@ -638,7 +660,7 @@
             <a:fld id="{50B7D10B-4187-4003-BEAD-E0953BC479C6}" type="datetimeFigureOut">
               <a:rPr lang="zh-TW" altLang="en-US" smtClean="0"/>
               <a:pPr/>
-              <a:t>2020/6/16</a:t>
+              <a:t>2020/11/13</a:t>
             </a:fld>
             <a:endParaRPr lang="zh-TW" altLang="en-US"/>
           </a:p>
@@ -805,7 +827,7 @@
             <a:fld id="{50B7D10B-4187-4003-BEAD-E0953BC479C6}" type="datetimeFigureOut">
               <a:rPr lang="zh-TW" altLang="en-US" smtClean="0"/>
               <a:pPr/>
-              <a:t>2020/6/16</a:t>
+              <a:t>2020/11/13</a:t>
             </a:fld>
             <a:endParaRPr lang="zh-TW" altLang="en-US"/>
           </a:p>
@@ -1048,7 +1070,7 @@
             <a:fld id="{50B7D10B-4187-4003-BEAD-E0953BC479C6}" type="datetimeFigureOut">
               <a:rPr lang="zh-TW" altLang="en-US" smtClean="0"/>
               <a:pPr/>
-              <a:t>2020/6/16</a:t>
+              <a:t>2020/11/13</a:t>
             </a:fld>
             <a:endParaRPr lang="zh-TW" altLang="en-US"/>
           </a:p>
@@ -1333,7 +1355,7 @@
             <a:fld id="{50B7D10B-4187-4003-BEAD-E0953BC479C6}" type="datetimeFigureOut">
               <a:rPr lang="zh-TW" altLang="en-US" smtClean="0"/>
               <a:pPr/>
-              <a:t>2020/6/16</a:t>
+              <a:t>2020/11/13</a:t>
             </a:fld>
             <a:endParaRPr lang="zh-TW" altLang="en-US"/>
           </a:p>
@@ -1752,7 +1774,7 @@
             <a:fld id="{50B7D10B-4187-4003-BEAD-E0953BC479C6}" type="datetimeFigureOut">
               <a:rPr lang="zh-TW" altLang="en-US" smtClean="0"/>
               <a:pPr/>
-              <a:t>2020/6/16</a:t>
+              <a:t>2020/11/13</a:t>
             </a:fld>
             <a:endParaRPr lang="zh-TW" altLang="en-US"/>
           </a:p>
@@ -1867,7 +1889,7 @@
             <a:fld id="{50B7D10B-4187-4003-BEAD-E0953BC479C6}" type="datetimeFigureOut">
               <a:rPr lang="zh-TW" altLang="en-US" smtClean="0"/>
               <a:pPr/>
-              <a:t>2020/6/16</a:t>
+              <a:t>2020/11/13</a:t>
             </a:fld>
             <a:endParaRPr lang="zh-TW" altLang="en-US"/>
           </a:p>
@@ -1959,7 +1981,7 @@
             <a:fld id="{50B7D10B-4187-4003-BEAD-E0953BC479C6}" type="datetimeFigureOut">
               <a:rPr lang="zh-TW" altLang="en-US" smtClean="0"/>
               <a:pPr/>
-              <a:t>2020/6/16</a:t>
+              <a:t>2020/11/13</a:t>
             </a:fld>
             <a:endParaRPr lang="zh-TW" altLang="en-US"/>
           </a:p>
@@ -2233,7 +2255,7 @@
             <a:fld id="{50B7D10B-4187-4003-BEAD-E0953BC479C6}" type="datetimeFigureOut">
               <a:rPr lang="zh-TW" altLang="en-US" smtClean="0"/>
               <a:pPr/>
-              <a:t>2020/6/16</a:t>
+              <a:t>2020/11/13</a:t>
             </a:fld>
             <a:endParaRPr lang="zh-TW" altLang="en-US"/>
           </a:p>
@@ -2487,7 +2509,7 @@
             <a:fld id="{50B7D10B-4187-4003-BEAD-E0953BC479C6}" type="datetimeFigureOut">
               <a:rPr lang="zh-TW" altLang="en-US" smtClean="0"/>
               <a:pPr/>
-              <a:t>2020/6/16</a:t>
+              <a:t>2020/11/13</a:t>
             </a:fld>
             <a:endParaRPr lang="zh-TW" altLang="en-US"/>
           </a:p>
@@ -2702,7 +2724,7 @@
             <a:fld id="{50B7D10B-4187-4003-BEAD-E0953BC479C6}" type="datetimeFigureOut">
               <a:rPr lang="zh-TW" altLang="en-US" smtClean="0"/>
               <a:pPr/>
-              <a:t>2020/6/16</a:t>
+              <a:t>2020/11/13</a:t>
             </a:fld>
             <a:endParaRPr lang="zh-TW" altLang="en-US"/>
           </a:p>
@@ -3083,75 +3105,221 @@
             <p:ph type="title"/>
           </p:nvPr>
         </p:nvSpPr>
-        <p:spPr/>
-        <p:txBody>
-          <a:bodyPr/>
-          <a:lstStyle/>
-          <a:p>
-            <a:r>
-              <a:rPr lang="zh-TW" altLang="en-US" b="1" dirty="0">
+        <p:spPr>
+          <a:xfrm>
+            <a:off x="0" y="2143135"/>
+            <a:ext cx="9144000" cy="857250"/>
+          </a:xfrm>
+        </p:spPr>
+        <p:txBody>
+          <a:bodyPr>
+            <a:noAutofit/>
+          </a:bodyPr>
+          <a:lstStyle/>
+          <a:p>
+            <a:r>
+              <a:rPr lang="zh-TW" altLang="en-US" sz="5400" b="1" i="1" dirty="0" smtClean="0">
+                <a:solidFill>
+                  <a:srgbClr val="000066"/>
+                </a:solidFill>
+                <a:effectLst>
+                  <a:outerShdw blurRad="38100" dist="38100" dir="2700000" algn="tl">
+                    <a:srgbClr val="000000">
+                      <a:alpha val="43137"/>
+                    </a:srgbClr>
+                  </a:outerShdw>
+                </a:effectLst>
                 <a:latin typeface="微軟正黑體" pitchFamily="34" charset="-120"/>
                 <a:ea typeface="微軟正黑體" pitchFamily="34" charset="-120"/>
               </a:rPr>
-              <a:t>世界變</a:t>
-            </a:r>
-          </a:p>
-        </p:txBody>
-      </p:sp>
-      <p:sp>
-        <p:nvSpPr>
-          <p:cNvPr id="5" name="內容版面配置區 4"/>
-          <p:cNvSpPr>
-            <a:spLocks noGrp="1"/>
-          </p:cNvSpPr>
-          <p:nvPr>
-            <p:ph idx="1"/>
-          </p:nvPr>
-        </p:nvSpPr>
-        <p:spPr>
-          <a:xfrm>
-            <a:off x="0" y="1314450"/>
-            <a:ext cx="9144000" cy="3829050"/>
-          </a:xfrm>
-        </p:spPr>
-        <p:txBody>
-          <a:bodyPr>
-            <a:normAutofit lnSpcReduction="10000"/>
-          </a:bodyPr>
-          <a:lstStyle/>
-          <a:p>
-            <a:pPr algn="ctr">
-              <a:buNone/>
-            </a:pPr>
-            <a:r>
-              <a:rPr lang="zh-TW" altLang="en-US" sz="5400" b="1" dirty="0">
+              <a:t>世</a:t>
+            </a:r>
+            <a:r>
+              <a:rPr lang="zh-TW" altLang="en-US" sz="5400" b="1" i="1" dirty="0">
+                <a:solidFill>
+                  <a:srgbClr val="000066"/>
+                </a:solidFill>
+                <a:effectLst>
+                  <a:outerShdw blurRad="38100" dist="38100" dir="2700000" algn="tl">
+                    <a:srgbClr val="000000">
+                      <a:alpha val="43137"/>
+                    </a:srgbClr>
+                  </a:outerShdw>
+                </a:effectLst>
                 <a:latin typeface="微軟正黑體" pitchFamily="34" charset="-120"/>
                 <a:ea typeface="微軟正黑體" pitchFamily="34" charset="-120"/>
               </a:rPr>
-              <a:t>天空的</a:t>
-            </a:r>
-            <a:r>
-              <a:rPr lang="zh-TW" altLang="en-US" sz="5400" b="1" dirty="0" smtClean="0">
+              <a:t>界變</a:t>
+            </a:r>
+          </a:p>
+        </p:txBody>
+      </p:sp>
+    </p:spTree>
+    <p:extLst>
+      <p:ext uri="{BB962C8B-B14F-4D97-AF65-F5344CB8AC3E}">
+        <p14:creationId xmlns:p14="http://schemas.microsoft.com/office/powerpoint/2010/main" val="609211016"/>
+      </p:ext>
+    </p:extLst>
+  </p:cSld>
+  <p:clrMapOvr>
+    <a:masterClrMapping/>
+  </p:clrMapOvr>
+</p:sld>
+</file>
+
+<file path=ppt/slides/slide10.xml><?xml version="1.0" encoding="utf-8"?>
+<p:sld xmlns:a="http://schemas.openxmlformats.org/drawingml/2006/main" xmlns:r="http://schemas.openxmlformats.org/officeDocument/2006/relationships" xmlns:p="http://schemas.openxmlformats.org/presentationml/2006/main">
+  <p:cSld>
+    <p:spTree>
+      <p:nvGrpSpPr>
+        <p:cNvPr id="1" name=""/>
+        <p:cNvGrpSpPr/>
+        <p:nvPr/>
+      </p:nvGrpSpPr>
+      <p:grpSpPr>
+        <a:xfrm>
+          <a:off x="0" y="0"/>
+          <a:ext cx="0" cy="0"/>
+          <a:chOff x="0" y="0"/>
+          <a:chExt cx="0" cy="0"/>
+        </a:xfrm>
+      </p:grpSpPr>
+      <p:sp>
+        <p:nvSpPr>
+          <p:cNvPr id="5" name="內容版面配置區 4"/>
+          <p:cNvSpPr>
+            <a:spLocks noGrp="1"/>
+          </p:cNvSpPr>
+          <p:nvPr>
+            <p:ph idx="1"/>
+          </p:nvPr>
+        </p:nvSpPr>
+        <p:spPr>
+          <a:xfrm>
+            <a:off x="0" y="1563638"/>
+            <a:ext cx="9144000" cy="1803647"/>
+          </a:xfrm>
+        </p:spPr>
+        <p:txBody>
+          <a:bodyPr anchor="ctr">
+            <a:normAutofit/>
+          </a:bodyPr>
+          <a:lstStyle/>
+          <a:p>
+            <a:pPr algn="ctr">
+              <a:buNone/>
+            </a:pPr>
+            <a:r>
+              <a:rPr lang="zh-TW" altLang="en-US" sz="4800" b="1" dirty="0">
+                <a:solidFill>
+                  <a:srgbClr val="000066"/>
+                </a:solidFill>
                 <a:latin typeface="微軟正黑體" pitchFamily="34" charset="-120"/>
                 <a:ea typeface="微軟正黑體" pitchFamily="34" charset="-120"/>
               </a:rPr>
-              <a:t>飛鳥不</a:t>
-            </a:r>
-            <a:r>
-              <a:rPr lang="zh-TW" altLang="en-US" sz="5400" b="1" dirty="0">
+              <a:t>就算世界變</a:t>
+            </a:r>
+            <a:endParaRPr lang="en-US" altLang="zh-TW" sz="4800" b="1" dirty="0">
+              <a:solidFill>
+                <a:srgbClr val="000066"/>
+              </a:solidFill>
+              <a:latin typeface="微軟正黑體" pitchFamily="34" charset="-120"/>
+              <a:ea typeface="微軟正黑體" pitchFamily="34" charset="-120"/>
+            </a:endParaRPr>
+          </a:p>
+          <a:p>
+            <a:pPr algn="ctr">
+              <a:buNone/>
+            </a:pPr>
+            <a:r>
+              <a:rPr lang="zh-TW" altLang="en-US" sz="4800" b="1" dirty="0">
+                <a:solidFill>
+                  <a:srgbClr val="000066"/>
+                </a:solidFill>
                 <a:latin typeface="微軟正黑體" pitchFamily="34" charset="-120"/>
                 <a:ea typeface="微軟正黑體" pitchFamily="34" charset="-120"/>
               </a:rPr>
-              <a:t>耕種也不</a:t>
-            </a:r>
-            <a:r>
-              <a:rPr lang="zh-TW" altLang="en-US" sz="5400" b="1" dirty="0" smtClean="0">
+              <a:t>十架恩典從未變</a:t>
+            </a:r>
+            <a:endParaRPr lang="en-US" altLang="zh-TW" sz="4800" b="1" dirty="0">
+              <a:solidFill>
+                <a:srgbClr val="000066"/>
+              </a:solidFill>
+              <a:latin typeface="微軟正黑體" pitchFamily="34" charset="-120"/>
+              <a:ea typeface="微軟正黑體" pitchFamily="34" charset="-120"/>
+            </a:endParaRPr>
+          </a:p>
+        </p:txBody>
+      </p:sp>
+    </p:spTree>
+    <p:extLst>
+      <p:ext uri="{BB962C8B-B14F-4D97-AF65-F5344CB8AC3E}">
+        <p14:creationId xmlns:p14="http://schemas.microsoft.com/office/powerpoint/2010/main" val="1479646243"/>
+      </p:ext>
+    </p:extLst>
+  </p:cSld>
+  <p:clrMapOvr>
+    <a:masterClrMapping/>
+  </p:clrMapOvr>
+</p:sld>
+</file>
+
+<file path=ppt/slides/slide11.xml><?xml version="1.0" encoding="utf-8"?>
+<p:sld xmlns:a="http://schemas.openxmlformats.org/drawingml/2006/main" xmlns:r="http://schemas.openxmlformats.org/officeDocument/2006/relationships" xmlns:p="http://schemas.openxmlformats.org/presentationml/2006/main">
+  <p:cSld>
+    <p:spTree>
+      <p:nvGrpSpPr>
+        <p:cNvPr id="1" name=""/>
+        <p:cNvGrpSpPr/>
+        <p:nvPr/>
+      </p:nvGrpSpPr>
+      <p:grpSpPr>
+        <a:xfrm>
+          <a:off x="0" y="0"/>
+          <a:ext cx="0" cy="0"/>
+          <a:chOff x="0" y="0"/>
+          <a:chExt cx="0" cy="0"/>
+        </a:xfrm>
+      </p:grpSpPr>
+      <p:sp>
+        <p:nvSpPr>
+          <p:cNvPr id="5" name="內容版面配置區 4"/>
+          <p:cNvSpPr>
+            <a:spLocks noGrp="1"/>
+          </p:cNvSpPr>
+          <p:nvPr>
+            <p:ph idx="1"/>
+          </p:nvPr>
+        </p:nvSpPr>
+        <p:spPr>
+          <a:xfrm>
+            <a:off x="0" y="1563638"/>
+            <a:ext cx="9144000" cy="1803647"/>
+          </a:xfrm>
+        </p:spPr>
+        <p:txBody>
+          <a:bodyPr anchor="ctr">
+            <a:normAutofit/>
+          </a:bodyPr>
+          <a:lstStyle/>
+          <a:p>
+            <a:pPr algn="ctr">
+              <a:buNone/>
+            </a:pPr>
+            <a:r>
+              <a:rPr lang="zh-TW" altLang="en-US" sz="4800" b="1" dirty="0">
+                <a:solidFill>
+                  <a:srgbClr val="000066"/>
+                </a:solidFill>
                 <a:latin typeface="微軟正黑體" pitchFamily="34" charset="-120"/>
                 <a:ea typeface="微軟正黑體" pitchFamily="34" charset="-120"/>
               </a:rPr>
-              <a:t>收</a:t>
-            </a:r>
-            <a:endParaRPr lang="en-US" altLang="zh-TW" sz="5400" b="1" dirty="0" smtClean="0">
+              <a:t>滄海儘管有日變桑田</a:t>
+            </a:r>
+            <a:endParaRPr lang="en-US" altLang="zh-TW" sz="4800" b="1" dirty="0">
+              <a:solidFill>
+                <a:srgbClr val="000066"/>
+              </a:solidFill>
               <a:latin typeface="微軟正黑體" pitchFamily="34" charset="-120"/>
               <a:ea typeface="微軟正黑體" pitchFamily="34" charset="-120"/>
             </a:endParaRPr>
@@ -3161,108 +3329,168 @@
               <a:buNone/>
             </a:pPr>
             <a:r>
-              <a:rPr lang="zh-TW" altLang="en-US" sz="5400" b="1" dirty="0" smtClean="0">
+              <a:rPr lang="zh-TW" altLang="en-US" sz="4800" b="1" dirty="0">
+                <a:solidFill>
+                  <a:srgbClr val="000066"/>
+                </a:solidFill>
                 <a:latin typeface="微軟正黑體" pitchFamily="34" charset="-120"/>
                 <a:ea typeface="微軟正黑體" pitchFamily="34" charset="-120"/>
               </a:rPr>
-              <a:t>你</a:t>
-            </a:r>
-            <a:r>
-              <a:rPr lang="zh-TW" altLang="en-US" sz="5400" b="1" dirty="0">
+              <a:t>人在那低谷之處</a:t>
+            </a:r>
+            <a:r>
+              <a:rPr lang="en-US" altLang="zh-TW" sz="4800" b="1" dirty="0">
+                <a:solidFill>
+                  <a:srgbClr val="000066"/>
+                </a:solidFill>
                 <a:latin typeface="微軟正黑體" pitchFamily="34" charset="-120"/>
                 <a:ea typeface="微軟正黑體" pitchFamily="34" charset="-120"/>
               </a:rPr>
-              <a:t>也恆常</a:t>
-            </a:r>
-            <a:r>
-              <a:rPr lang="zh-TW" altLang="en-US" sz="5400" b="1" dirty="0" smtClean="0">
+              <a:t>  </a:t>
+            </a:r>
+            <a:r>
+              <a:rPr lang="zh-TW" altLang="en-US" sz="4800" b="1" dirty="0">
+                <a:solidFill>
+                  <a:srgbClr val="000066"/>
+                </a:solidFill>
                 <a:latin typeface="微軟正黑體" pitchFamily="34" charset="-120"/>
                 <a:ea typeface="微軟正黑體" pitchFamily="34" charset="-120"/>
               </a:rPr>
-              <a:t>保佑</a:t>
-            </a:r>
-            <a:endParaRPr lang="en-US" altLang="zh-TW" sz="5400" b="1" dirty="0">
+              <a:t>生天已望見</a:t>
+            </a:r>
+            <a:endParaRPr lang="en-US" altLang="zh-TW" sz="4800" b="1" dirty="0">
+              <a:solidFill>
+                <a:srgbClr val="000066"/>
+              </a:solidFill>
               <a:latin typeface="微軟正黑體" pitchFamily="34" charset="-120"/>
               <a:ea typeface="微軟正黑體" pitchFamily="34" charset="-120"/>
             </a:endParaRPr>
           </a:p>
+        </p:txBody>
+      </p:sp>
+    </p:spTree>
+    <p:extLst>
+      <p:ext uri="{BB962C8B-B14F-4D97-AF65-F5344CB8AC3E}">
+        <p14:creationId xmlns:p14="http://schemas.microsoft.com/office/powerpoint/2010/main" val="3760086391"/>
+      </p:ext>
+    </p:extLst>
+  </p:cSld>
+  <p:clrMapOvr>
+    <a:masterClrMapping/>
+  </p:clrMapOvr>
+</p:sld>
+</file>
+
+<file path=ppt/slides/slide12.xml><?xml version="1.0" encoding="utf-8"?>
+<p:sld xmlns:a="http://schemas.openxmlformats.org/drawingml/2006/main" xmlns:r="http://schemas.openxmlformats.org/officeDocument/2006/relationships" xmlns:p="http://schemas.openxmlformats.org/presentationml/2006/main">
+  <p:cSld>
+    <p:spTree>
+      <p:nvGrpSpPr>
+        <p:cNvPr id="1" name=""/>
+        <p:cNvGrpSpPr/>
+        <p:nvPr/>
+      </p:nvGrpSpPr>
+      <p:grpSpPr>
+        <a:xfrm>
+          <a:off x="0" y="0"/>
+          <a:ext cx="0" cy="0"/>
+          <a:chOff x="0" y="0"/>
+          <a:chExt cx="0" cy="0"/>
+        </a:xfrm>
+      </p:grpSpPr>
+      <p:sp>
+        <p:nvSpPr>
+          <p:cNvPr id="5" name="內容版面配置區 4"/>
+          <p:cNvSpPr>
+            <a:spLocks noGrp="1"/>
+          </p:cNvSpPr>
+          <p:nvPr>
+            <p:ph idx="1"/>
+          </p:nvPr>
+        </p:nvSpPr>
+        <p:spPr>
+          <a:xfrm>
+            <a:off x="0" y="1563638"/>
+            <a:ext cx="9144000" cy="1803647"/>
+          </a:xfrm>
+        </p:spPr>
+        <p:txBody>
+          <a:bodyPr anchor="ctr">
+            <a:normAutofit/>
+          </a:bodyPr>
+          <a:lstStyle/>
           <a:p>
             <a:pPr algn="ctr">
               <a:buNone/>
             </a:pPr>
             <a:r>
-              <a:rPr lang="zh-TW" altLang="en-US" sz="5400" b="1" dirty="0" smtClean="0">
+              <a:rPr lang="zh-TW" altLang="en-US" sz="4800" b="1" dirty="0">
+                <a:solidFill>
+                  <a:srgbClr val="000066"/>
+                </a:solidFill>
                 <a:latin typeface="微軟正黑體" pitchFamily="34" charset="-120"/>
                 <a:ea typeface="微軟正黑體" pitchFamily="34" charset="-120"/>
               </a:rPr>
-              <a:t>地上</a:t>
-            </a:r>
-            <a:r>
-              <a:rPr lang="zh-TW" altLang="en-US" sz="5400" b="1" dirty="0">
+              <a:t>藏在</a:t>
+            </a:r>
+            <a:r>
+              <a:rPr lang="zh-CN" altLang="en-US" sz="4800" b="1" dirty="0">
+                <a:solidFill>
+                  <a:srgbClr val="000066"/>
+                </a:solidFill>
                 <a:latin typeface="微軟正黑體" pitchFamily="34" charset="-120"/>
                 <a:ea typeface="微軟正黑體" pitchFamily="34" charset="-120"/>
               </a:rPr>
-              <a:t>的</a:t>
-            </a:r>
-            <a:r>
-              <a:rPr lang="zh-TW" altLang="en-US" sz="5400" b="1" dirty="0" smtClean="0">
+              <a:t>袮</a:t>
+            </a:r>
+            <a:r>
+              <a:rPr lang="zh-TW" altLang="en-US" sz="4800" b="1" dirty="0">
+                <a:solidFill>
+                  <a:srgbClr val="000066"/>
+                </a:solidFill>
                 <a:latin typeface="微軟正黑體" pitchFamily="34" charset="-120"/>
                 <a:ea typeface="微軟正黑體" pitchFamily="34" charset="-120"/>
               </a:rPr>
-              <a:t>鮮花不</a:t>
-            </a:r>
-            <a:r>
-              <a:rPr lang="zh-TW" altLang="en-US" sz="5400" b="1" dirty="0">
+              <a:t>應許深處</a:t>
+            </a:r>
+            <a:endParaRPr lang="en-US" altLang="zh-TW" sz="4800" b="1" dirty="0">
+              <a:solidFill>
+                <a:srgbClr val="000066"/>
+              </a:solidFill>
+              <a:latin typeface="微軟正黑體" pitchFamily="34" charset="-120"/>
+              <a:ea typeface="微軟正黑體" pitchFamily="34" charset="-120"/>
+            </a:endParaRPr>
+          </a:p>
+          <a:p>
+            <a:pPr algn="ctr">
+              <a:buNone/>
+            </a:pPr>
+            <a:r>
+              <a:rPr lang="zh-TW" altLang="en-US" sz="4800" b="1" dirty="0">
+                <a:solidFill>
+                  <a:srgbClr val="000066"/>
+                </a:solidFill>
                 <a:latin typeface="微軟正黑體" pitchFamily="34" charset="-120"/>
                 <a:ea typeface="微軟正黑體" pitchFamily="34" charset="-120"/>
               </a:rPr>
-              <a:t>吃苦不</a:t>
-            </a:r>
-            <a:r>
-              <a:rPr lang="zh-TW" altLang="en-US" sz="5400" b="1" dirty="0" smtClean="0">
-                <a:latin typeface="微軟正黑體" pitchFamily="34" charset="-120"/>
-                <a:ea typeface="微軟正黑體" pitchFamily="34" charset="-120"/>
-              </a:rPr>
-              <a:t>紡線</a:t>
-            </a:r>
-            <a:endParaRPr lang="en-US" altLang="zh-TW" sz="5400" b="1" dirty="0" smtClean="0">
+              <a:t>恩典已遇見</a:t>
+            </a:r>
+            <a:endParaRPr lang="zh-TW" altLang="en-US" sz="4800" b="1" dirty="0">
+              <a:solidFill>
+                <a:srgbClr val="000066"/>
+              </a:solidFill>
               <a:latin typeface="微軟正黑體" pitchFamily="34" charset="-120"/>
               <a:ea typeface="微軟正黑體" pitchFamily="34" charset="-120"/>
             </a:endParaRPr>
           </a:p>
-          <a:p>
-            <a:pPr algn="ctr">
-              <a:buNone/>
-            </a:pPr>
-            <a:r>
-              <a:rPr lang="zh-TW" altLang="en-US" sz="5400" b="1" dirty="0" smtClean="0">
-                <a:latin typeface="微軟正黑體" pitchFamily="34" charset="-120"/>
-                <a:ea typeface="微軟正黑體" pitchFamily="34" charset="-120"/>
-              </a:rPr>
-              <a:t>卻</a:t>
-            </a:r>
-            <a:r>
-              <a:rPr lang="zh-TW" altLang="en-US" sz="5400" b="1" dirty="0">
-                <a:latin typeface="微軟正黑體" pitchFamily="34" charset="-120"/>
-                <a:ea typeface="微軟正黑體" pitchFamily="34" charset="-120"/>
-              </a:rPr>
-              <a:t>按你心意</a:t>
-            </a:r>
-            <a:r>
-              <a:rPr lang="zh-TW" altLang="en-US" sz="5400" b="1" dirty="0" smtClean="0">
-                <a:latin typeface="微軟正黑體" pitchFamily="34" charset="-120"/>
-                <a:ea typeface="微軟正黑體" pitchFamily="34" charset="-120"/>
-              </a:rPr>
-              <a:t>盛開</a:t>
-            </a:r>
-            <a:endParaRPr lang="zh-TW" altLang="en-US" sz="5400" b="1" dirty="0">
-              <a:latin typeface="微軟正黑體" pitchFamily="34" charset="-120"/>
-              <a:ea typeface="微軟正黑體" pitchFamily="34" charset="-120"/>
-            </a:endParaRPr>
-          </a:p>
         </p:txBody>
       </p:sp>
     </p:spTree>
+    <p:extLst>
+      <p:ext uri="{BB962C8B-B14F-4D97-AF65-F5344CB8AC3E}">
+        <p14:creationId xmlns:p14="http://schemas.microsoft.com/office/powerpoint/2010/main" val="3160718952"/>
+      </p:ext>
+    </p:extLst>
   </p:cSld>
   <p:clrMapOvr>
     <a:masterClrMapping/>
@@ -3289,192 +3517,97 @@
       </p:grpSpPr>
       <p:sp>
         <p:nvSpPr>
-          <p:cNvPr id="4" name="標題 3"/>
-          <p:cNvSpPr>
-            <a:spLocks noGrp="1"/>
-          </p:cNvSpPr>
-          <p:nvPr>
-            <p:ph type="title"/>
-          </p:nvPr>
-        </p:nvSpPr>
-        <p:spPr/>
-        <p:txBody>
-          <a:bodyPr>
+          <p:cNvPr id="5" name="內容版面配置區 4"/>
+          <p:cNvSpPr>
+            <a:spLocks noGrp="1"/>
+          </p:cNvSpPr>
+          <p:nvPr>
+            <p:ph idx="1"/>
+          </p:nvPr>
+        </p:nvSpPr>
+        <p:spPr>
+          <a:xfrm>
+            <a:off x="0" y="1563638"/>
+            <a:ext cx="9144000" cy="1803647"/>
+          </a:xfrm>
+        </p:spPr>
+        <p:txBody>
+          <a:bodyPr anchor="ctr">
             <a:normAutofit/>
           </a:bodyPr>
           <a:lstStyle/>
           <a:p>
-            <a:r>
-              <a:rPr lang="zh-TW" altLang="en-US" b="1" dirty="0">
+            <a:pPr algn="ctr">
+              <a:buNone/>
+            </a:pPr>
+            <a:r>
+              <a:rPr lang="zh-TW" altLang="en-US" sz="4800" b="1" dirty="0" smtClean="0">
+                <a:solidFill>
+                  <a:srgbClr val="000066"/>
+                </a:solidFill>
                 <a:latin typeface="微軟正黑體" pitchFamily="34" charset="-120"/>
                 <a:ea typeface="微軟正黑體" pitchFamily="34" charset="-120"/>
               </a:rPr>
-              <a:t>世界變</a:t>
-            </a:r>
-          </a:p>
-        </p:txBody>
-      </p:sp>
-      <p:sp>
-        <p:nvSpPr>
-          <p:cNvPr id="5" name="內容版面配置區 4"/>
-          <p:cNvSpPr>
-            <a:spLocks noGrp="1"/>
-          </p:cNvSpPr>
-          <p:nvPr>
-            <p:ph idx="1"/>
-          </p:nvPr>
-        </p:nvSpPr>
-        <p:spPr>
-          <a:xfrm>
-            <a:off x="0" y="1200150"/>
-            <a:ext cx="9144000" cy="3943350"/>
-          </a:xfrm>
-        </p:spPr>
-        <p:txBody>
-          <a:bodyPr>
-            <a:noAutofit/>
-          </a:bodyPr>
-          <a:lstStyle/>
-          <a:p>
-            <a:pPr algn="ctr">
-              <a:buNone/>
-            </a:pPr>
+              <a:t>天</a:t>
+            </a:r>
             <a:r>
               <a:rPr lang="zh-TW" altLang="en-US" sz="4800" b="1" dirty="0">
+                <a:solidFill>
+                  <a:srgbClr val="000066"/>
+                </a:solidFill>
                 <a:latin typeface="微軟正黑體" pitchFamily="34" charset="-120"/>
                 <a:ea typeface="微軟正黑體" pitchFamily="34" charset="-120"/>
               </a:rPr>
-              <a:t>青草冬霜裡枯死了有</a:t>
-            </a:r>
-            <a:r>
-              <a:rPr lang="zh-TW" altLang="en-US" sz="4800" b="1" dirty="0" smtClean="0">
+              <a:t>空的飛鳥不耕種也不收</a:t>
+            </a:r>
+            <a:endParaRPr lang="en-US" altLang="zh-TW" sz="4800" b="1" dirty="0">
+              <a:solidFill>
+                <a:srgbClr val="000066"/>
+              </a:solidFill>
+              <a:latin typeface="微軟正黑體" pitchFamily="34" charset="-120"/>
+              <a:ea typeface="微軟正黑體" pitchFamily="34" charset="-120"/>
+            </a:endParaRPr>
+          </a:p>
+          <a:p>
+            <a:pPr algn="ctr">
+              <a:buNone/>
+            </a:pPr>
+            <a:r>
+              <a:rPr lang="zh-CN" altLang="en-US" sz="4800" b="1" dirty="0">
+                <a:solidFill>
+                  <a:srgbClr val="000066"/>
+                </a:solidFill>
                 <a:latin typeface="微軟正黑體" pitchFamily="34" charset="-120"/>
                 <a:ea typeface="微軟正黑體" pitchFamily="34" charset="-120"/>
               </a:rPr>
-              <a:t>幾多</a:t>
-            </a:r>
-            <a:endParaRPr lang="en-US" altLang="zh-TW" sz="4800" b="1" dirty="0" smtClean="0">
+              <a:t>袮</a:t>
+            </a:r>
+            <a:r>
+              <a:rPr lang="zh-TW" altLang="en-US" sz="4800" b="1" dirty="0">
+                <a:solidFill>
+                  <a:srgbClr val="000066"/>
+                </a:solidFill>
+                <a:latin typeface="微軟正黑體" pitchFamily="34" charset="-120"/>
+                <a:ea typeface="微軟正黑體" pitchFamily="34" charset="-120"/>
+              </a:rPr>
+              <a:t>也恆常保佑</a:t>
+            </a:r>
+            <a:endParaRPr lang="en-US" altLang="zh-TW" sz="4800" b="1" dirty="0">
+              <a:solidFill>
+                <a:srgbClr val="000066"/>
+              </a:solidFill>
               <a:latin typeface="微軟正黑體" pitchFamily="34" charset="-120"/>
               <a:ea typeface="微軟正黑體" pitchFamily="34" charset="-120"/>
             </a:endParaRPr>
           </a:p>
-          <a:p>
-            <a:pPr algn="ctr">
-              <a:buNone/>
-            </a:pPr>
-            <a:r>
-              <a:rPr lang="zh-TW" altLang="en-US" sz="4800" b="1" dirty="0" smtClean="0">
-                <a:latin typeface="微軟正黑體" pitchFamily="34" charset="-120"/>
-                <a:ea typeface="微軟正黑體" pitchFamily="34" charset="-120"/>
-              </a:rPr>
-              <a:t>你</a:t>
-            </a:r>
-            <a:r>
-              <a:rPr lang="zh-TW" altLang="en-US" sz="4800" b="1" dirty="0">
-                <a:latin typeface="微軟正黑體" pitchFamily="34" charset="-120"/>
-                <a:ea typeface="微軟正黑體" pitchFamily="34" charset="-120"/>
-              </a:rPr>
-              <a:t>也全然</a:t>
-            </a:r>
-            <a:r>
-              <a:rPr lang="zh-TW" altLang="en-US" sz="4800" b="1" dirty="0" smtClean="0">
-                <a:latin typeface="微軟正黑體" pitchFamily="34" charset="-120"/>
-                <a:ea typeface="微軟正黑體" pitchFamily="34" charset="-120"/>
-              </a:rPr>
-              <a:t>妝飾</a:t>
-            </a:r>
-            <a:r>
-              <a:rPr lang="en-US" altLang="zh-TW" sz="4800" b="1" dirty="0" smtClean="0">
-                <a:latin typeface="微軟正黑體" pitchFamily="34" charset="-120"/>
-                <a:ea typeface="微軟正黑體" pitchFamily="34" charset="-120"/>
-              </a:rPr>
-              <a:t> </a:t>
-            </a:r>
-            <a:r>
-              <a:rPr lang="en-US" altLang="zh-TW" sz="4800" b="1" dirty="0" smtClean="0">
-                <a:latin typeface="微軟正黑體" pitchFamily="34" charset="-120"/>
-                <a:ea typeface="微軟正黑體" pitchFamily="34" charset="-120"/>
-              </a:rPr>
-              <a:t> </a:t>
-            </a:r>
-            <a:r>
-              <a:rPr lang="zh-TW" altLang="en-US" sz="4800" b="1" dirty="0" smtClean="0">
-                <a:latin typeface="微軟正黑體" pitchFamily="34" charset="-120"/>
-                <a:ea typeface="微軟正黑體" pitchFamily="34" charset="-120"/>
-              </a:rPr>
-              <a:t>地上</a:t>
-            </a:r>
-            <a:r>
-              <a:rPr lang="zh-TW" altLang="en-US" sz="4800" b="1" dirty="0">
-                <a:latin typeface="微軟正黑體" pitchFamily="34" charset="-120"/>
-                <a:ea typeface="微軟正黑體" pitchFamily="34" charset="-120"/>
-              </a:rPr>
-              <a:t>的高低起</a:t>
-            </a:r>
-            <a:r>
-              <a:rPr lang="zh-TW" altLang="en-US" sz="4800" b="1" dirty="0" smtClean="0">
-                <a:latin typeface="微軟正黑體" pitchFamily="34" charset="-120"/>
-                <a:ea typeface="微軟正黑體" pitchFamily="34" charset="-120"/>
-              </a:rPr>
-              <a:t>跌</a:t>
-            </a:r>
-            <a:endParaRPr lang="en-US" altLang="zh-TW" sz="4800" b="1" dirty="0" smtClean="0">
-              <a:latin typeface="微軟正黑體" pitchFamily="34" charset="-120"/>
-              <a:ea typeface="微軟正黑體" pitchFamily="34" charset="-120"/>
-            </a:endParaRPr>
-          </a:p>
-          <a:p>
-            <a:pPr algn="ctr">
-              <a:buNone/>
-            </a:pPr>
-            <a:r>
-              <a:rPr lang="zh-TW" altLang="en-US" sz="4800" b="1" dirty="0" smtClean="0">
-                <a:latin typeface="微軟正黑體" pitchFamily="34" charset="-120"/>
-                <a:ea typeface="微軟正黑體" pitchFamily="34" charset="-120"/>
-              </a:rPr>
-              <a:t>主</a:t>
-            </a:r>
-            <a:r>
-              <a:rPr lang="zh-TW" altLang="en-US" sz="4800" b="1" dirty="0">
-                <a:latin typeface="微軟正黑體" pitchFamily="34" charset="-120"/>
-                <a:ea typeface="微軟正黑體" pitchFamily="34" charset="-120"/>
-              </a:rPr>
-              <a:t>都一一</a:t>
-            </a:r>
-            <a:r>
-              <a:rPr lang="zh-TW" altLang="en-US" sz="4800" b="1" dirty="0" smtClean="0">
-                <a:latin typeface="微軟正黑體" pitchFamily="34" charset="-120"/>
-                <a:ea typeface="微軟正黑體" pitchFamily="34" charset="-120"/>
-              </a:rPr>
-              <a:t>知道</a:t>
-            </a:r>
-            <a:endParaRPr lang="en-US" altLang="zh-TW" sz="4800" b="1" dirty="0" smtClean="0">
-              <a:latin typeface="微軟正黑體" pitchFamily="34" charset="-120"/>
-              <a:ea typeface="微軟正黑體" pitchFamily="34" charset="-120"/>
-            </a:endParaRPr>
-          </a:p>
-          <a:p>
-            <a:pPr algn="ctr">
-              <a:buNone/>
-            </a:pPr>
-            <a:r>
-              <a:rPr lang="zh-TW" altLang="en-US" sz="4800" b="1" dirty="0" smtClean="0">
-                <a:latin typeface="微軟正黑體" pitchFamily="34" charset="-120"/>
-                <a:ea typeface="微軟正黑體" pitchFamily="34" charset="-120"/>
-              </a:rPr>
-              <a:t>誰</a:t>
-            </a:r>
-            <a:r>
-              <a:rPr lang="zh-TW" altLang="en-US" sz="4800" b="1" dirty="0">
-                <a:latin typeface="微軟正黑體" pitchFamily="34" charset="-120"/>
-                <a:ea typeface="微軟正黑體" pitchFamily="34" charset="-120"/>
-              </a:rPr>
-              <a:t>在意這刻天空正下雨</a:t>
-            </a:r>
-          </a:p>
         </p:txBody>
       </p:sp>
     </p:spTree>
+    <p:extLst>
+      <p:ext uri="{BB962C8B-B14F-4D97-AF65-F5344CB8AC3E}">
+        <p14:creationId xmlns:p14="http://schemas.microsoft.com/office/powerpoint/2010/main" val="3698956820"/>
+      </p:ext>
+    </p:extLst>
   </p:cSld>
   <p:clrMapOvr>
     <a:masterClrMapping/>
@@ -3501,157 +3634,97 @@
       </p:grpSpPr>
       <p:sp>
         <p:nvSpPr>
-          <p:cNvPr id="4" name="標題 3"/>
-          <p:cNvSpPr>
-            <a:spLocks noGrp="1"/>
-          </p:cNvSpPr>
-          <p:nvPr>
-            <p:ph type="title"/>
-          </p:nvPr>
-        </p:nvSpPr>
-        <p:spPr/>
-        <p:txBody>
-          <a:bodyPr>
+          <p:cNvPr id="5" name="內容版面配置區 4"/>
+          <p:cNvSpPr>
+            <a:spLocks noGrp="1"/>
+          </p:cNvSpPr>
+          <p:nvPr>
+            <p:ph idx="1"/>
+          </p:nvPr>
+        </p:nvSpPr>
+        <p:spPr>
+          <a:xfrm>
+            <a:off x="0" y="1563638"/>
+            <a:ext cx="9144000" cy="1803647"/>
+          </a:xfrm>
+        </p:spPr>
+        <p:txBody>
+          <a:bodyPr anchor="ctr">
             <a:normAutofit/>
           </a:bodyPr>
           <a:lstStyle/>
           <a:p>
-            <a:r>
-              <a:rPr lang="zh-TW" altLang="en-US" b="1" dirty="0">
+            <a:pPr algn="ctr">
+              <a:buNone/>
+            </a:pPr>
+            <a:r>
+              <a:rPr lang="zh-TW" altLang="en-US" sz="4800" b="1" dirty="0">
+                <a:solidFill>
+                  <a:srgbClr val="000066"/>
+                </a:solidFill>
                 <a:latin typeface="微軟正黑體" pitchFamily="34" charset="-120"/>
                 <a:ea typeface="微軟正黑體" pitchFamily="34" charset="-120"/>
               </a:rPr>
-              <a:t>世界變</a:t>
-            </a:r>
-          </a:p>
-        </p:txBody>
-      </p:sp>
-      <p:sp>
-        <p:nvSpPr>
-          <p:cNvPr id="5" name="內容版面配置區 4"/>
-          <p:cNvSpPr>
-            <a:spLocks noGrp="1"/>
-          </p:cNvSpPr>
-          <p:nvPr>
-            <p:ph idx="1"/>
-          </p:nvPr>
-        </p:nvSpPr>
-        <p:spPr>
-          <a:xfrm>
-            <a:off x="0" y="1200150"/>
-            <a:ext cx="9144000" cy="3943350"/>
-          </a:xfrm>
-        </p:spPr>
-        <p:txBody>
-          <a:bodyPr>
-            <a:normAutofit/>
-          </a:bodyPr>
-          <a:lstStyle/>
+              <a:t>地上的鮮花不吃苦不紡線</a:t>
+            </a:r>
+            <a:endParaRPr lang="en-US" altLang="zh-TW" sz="4800" b="1" dirty="0">
+              <a:solidFill>
+                <a:srgbClr val="000066"/>
+              </a:solidFill>
+              <a:latin typeface="微軟正黑體" pitchFamily="34" charset="-120"/>
+              <a:ea typeface="微軟正黑體" pitchFamily="34" charset="-120"/>
+            </a:endParaRPr>
+          </a:p>
           <a:p>
             <a:pPr algn="ctr">
               <a:buNone/>
             </a:pPr>
             <a:r>
               <a:rPr lang="zh-TW" altLang="en-US" sz="4800" b="1" dirty="0">
+                <a:solidFill>
+                  <a:srgbClr val="000066"/>
+                </a:solidFill>
                 <a:latin typeface="微軟正黑體" pitchFamily="34" charset="-120"/>
                 <a:ea typeface="微軟正黑體" pitchFamily="34" charset="-120"/>
               </a:rPr>
-              <a:t>人在你愛裡比這些一切矜</a:t>
-            </a:r>
-            <a:r>
-              <a:rPr lang="zh-TW" altLang="en-US" sz="4800" b="1" dirty="0" smtClean="0">
+              <a:t>卻按</a:t>
+            </a:r>
+            <a:r>
+              <a:rPr lang="zh-CN" altLang="en-US" sz="4800" b="1" dirty="0">
+                <a:solidFill>
+                  <a:srgbClr val="000066"/>
+                </a:solidFill>
                 <a:latin typeface="微軟正黑體" pitchFamily="34" charset="-120"/>
                 <a:ea typeface="微軟正黑體" pitchFamily="34" charset="-120"/>
               </a:rPr>
-              <a:t>貴</a:t>
-            </a:r>
-            <a:endParaRPr lang="en-US" altLang="zh-TW" sz="4800" b="1" dirty="0" smtClean="0">
+              <a:t>袮</a:t>
+            </a:r>
+            <a:r>
+              <a:rPr lang="zh-TW" altLang="en-US" sz="4800" b="1" dirty="0">
+                <a:solidFill>
+                  <a:srgbClr val="000066"/>
+                </a:solidFill>
+                <a:latin typeface="微軟正黑體" pitchFamily="34" charset="-120"/>
+                <a:ea typeface="微軟正黑體" pitchFamily="34" charset="-120"/>
+              </a:rPr>
+              <a:t>心意盛開</a:t>
+            </a:r>
+            <a:endParaRPr lang="zh-TW" altLang="en-US" sz="4800" b="1" dirty="0">
+              <a:solidFill>
+                <a:srgbClr val="000066"/>
+              </a:solidFill>
               <a:latin typeface="微軟正黑體" pitchFamily="34" charset="-120"/>
               <a:ea typeface="微軟正黑體" pitchFamily="34" charset="-120"/>
             </a:endParaRPr>
           </a:p>
-          <a:p>
-            <a:pPr algn="ctr">
-              <a:buNone/>
-            </a:pPr>
-            <a:r>
-              <a:rPr lang="zh-TW" altLang="en-US" sz="4800" b="1" dirty="0" smtClean="0">
-                <a:latin typeface="微軟正黑體" pitchFamily="34" charset="-120"/>
-                <a:ea typeface="微軟正黑體" pitchFamily="34" charset="-120"/>
-              </a:rPr>
-              <a:t>何以</a:t>
-            </a:r>
-            <a:r>
-              <a:rPr lang="zh-TW" altLang="en-US" sz="4800" b="1" dirty="0">
-                <a:latin typeface="微軟正黑體" pitchFamily="34" charset="-120"/>
-                <a:ea typeface="微軟正黑體" pitchFamily="34" charset="-120"/>
-              </a:rPr>
-              <a:t>手執擔憂始終不會放</a:t>
-            </a:r>
-            <a:r>
-              <a:rPr lang="zh-TW" altLang="en-US" sz="4800" b="1" dirty="0" smtClean="0">
-                <a:latin typeface="微軟正黑體" pitchFamily="34" charset="-120"/>
-                <a:ea typeface="微軟正黑體" pitchFamily="34" charset="-120"/>
-              </a:rPr>
-              <a:t>低</a:t>
-            </a:r>
-            <a:endParaRPr lang="en-US" altLang="zh-TW" sz="4800" b="1" dirty="0" smtClean="0">
-              <a:latin typeface="微軟正黑體" pitchFamily="34" charset="-120"/>
-              <a:ea typeface="微軟正黑體" pitchFamily="34" charset="-120"/>
-            </a:endParaRPr>
-          </a:p>
-          <a:p>
-            <a:pPr algn="ctr">
-              <a:buNone/>
-            </a:pPr>
-            <a:r>
-              <a:rPr lang="zh-TW" altLang="en-US" sz="4800" b="1" dirty="0" smtClean="0">
-                <a:latin typeface="微軟正黑體" pitchFamily="34" charset="-120"/>
-                <a:ea typeface="微軟正黑體" pitchFamily="34" charset="-120"/>
-              </a:rPr>
-              <a:t>尋覓</a:t>
-            </a:r>
-            <a:r>
-              <a:rPr lang="zh-TW" altLang="en-US" sz="4800" b="1" dirty="0">
-                <a:latin typeface="微軟正黑體" pitchFamily="34" charset="-120"/>
-                <a:ea typeface="微軟正黑體" pitchFamily="34" charset="-120"/>
-              </a:rPr>
-              <a:t>你的</a:t>
-            </a:r>
-            <a:r>
-              <a:rPr lang="zh-TW" altLang="en-US" sz="4800" b="1" dirty="0" smtClean="0">
-                <a:latin typeface="微軟正黑體" pitchFamily="34" charset="-120"/>
-                <a:ea typeface="微軟正黑體" pitchFamily="34" charset="-120"/>
-              </a:rPr>
-              <a:t>面必得相見</a:t>
-            </a:r>
-            <a:endParaRPr lang="en-US" altLang="zh-TW" sz="4800" b="1" dirty="0" smtClean="0">
-              <a:latin typeface="微軟正黑體" pitchFamily="34" charset="-120"/>
-              <a:ea typeface="微軟正黑體" pitchFamily="34" charset="-120"/>
-            </a:endParaRPr>
-          </a:p>
-          <a:p>
-            <a:pPr algn="ctr">
-              <a:buNone/>
-            </a:pPr>
-            <a:r>
-              <a:rPr lang="zh-TW" altLang="en-US" sz="4800" b="1" dirty="0" smtClean="0">
-                <a:latin typeface="微軟正黑體" pitchFamily="34" charset="-120"/>
-                <a:ea typeface="微軟正黑體" pitchFamily="34" charset="-120"/>
-              </a:rPr>
-              <a:t>今天</a:t>
-            </a:r>
-            <a:r>
-              <a:rPr lang="zh-TW" altLang="en-US" sz="4800" b="1" dirty="0">
-                <a:latin typeface="微軟正黑體" pitchFamily="34" charset="-120"/>
-                <a:ea typeface="微軟正黑體" pitchFamily="34" charset="-120"/>
-              </a:rPr>
-              <a:t>我單單仰望你</a:t>
-            </a:r>
-          </a:p>
         </p:txBody>
       </p:sp>
     </p:spTree>
+    <p:extLst>
+      <p:ext uri="{BB962C8B-B14F-4D97-AF65-F5344CB8AC3E}">
+        <p14:creationId xmlns:p14="http://schemas.microsoft.com/office/powerpoint/2010/main" val="3247530444"/>
+      </p:ext>
+    </p:extLst>
   </p:cSld>
   <p:clrMapOvr>
     <a:masterClrMapping/>
@@ -3678,157 +3751,90 @@
       </p:grpSpPr>
       <p:sp>
         <p:nvSpPr>
-          <p:cNvPr id="4" name="標題 3"/>
-          <p:cNvSpPr>
-            <a:spLocks noGrp="1"/>
-          </p:cNvSpPr>
-          <p:nvPr>
-            <p:ph type="title"/>
-          </p:nvPr>
-        </p:nvSpPr>
-        <p:spPr/>
-        <p:txBody>
-          <a:bodyPr>
+          <p:cNvPr id="5" name="內容版面配置區 4"/>
+          <p:cNvSpPr>
+            <a:spLocks noGrp="1"/>
+          </p:cNvSpPr>
+          <p:nvPr>
+            <p:ph idx="1"/>
+          </p:nvPr>
+        </p:nvSpPr>
+        <p:spPr>
+          <a:xfrm>
+            <a:off x="0" y="1563638"/>
+            <a:ext cx="9144000" cy="1803647"/>
+          </a:xfrm>
+        </p:spPr>
+        <p:txBody>
+          <a:bodyPr anchor="ctr">
             <a:normAutofit/>
           </a:bodyPr>
           <a:lstStyle/>
           <a:p>
-            <a:r>
-              <a:rPr lang="zh-TW" altLang="en-US" b="1" dirty="0">
+            <a:pPr algn="ctr">
+              <a:buNone/>
+            </a:pPr>
+            <a:r>
+              <a:rPr lang="zh-TW" altLang="en-US" sz="4800" b="1" dirty="0">
+                <a:solidFill>
+                  <a:srgbClr val="000066"/>
+                </a:solidFill>
                 <a:latin typeface="微軟正黑體" pitchFamily="34" charset="-120"/>
                 <a:ea typeface="微軟正黑體" pitchFamily="34" charset="-120"/>
               </a:rPr>
-              <a:t>世界變</a:t>
-            </a:r>
-          </a:p>
-        </p:txBody>
-      </p:sp>
-      <p:sp>
-        <p:nvSpPr>
-          <p:cNvPr id="5" name="內容版面配置區 4"/>
-          <p:cNvSpPr>
-            <a:spLocks noGrp="1"/>
-          </p:cNvSpPr>
-          <p:nvPr>
-            <p:ph idx="1"/>
-          </p:nvPr>
-        </p:nvSpPr>
-        <p:spPr>
-          <a:xfrm>
-            <a:off x="0" y="1200150"/>
-            <a:ext cx="9144000" cy="3943350"/>
-          </a:xfrm>
-        </p:spPr>
-        <p:txBody>
-          <a:bodyPr>
-            <a:normAutofit/>
-          </a:bodyPr>
-          <a:lstStyle/>
+              <a:t>青草冬霜裡枯死了有幾多</a:t>
+            </a:r>
+            <a:endParaRPr lang="en-US" altLang="zh-TW" sz="4800" b="1" dirty="0">
+              <a:solidFill>
+                <a:srgbClr val="000066"/>
+              </a:solidFill>
+              <a:latin typeface="微軟正黑體" pitchFamily="34" charset="-120"/>
+              <a:ea typeface="微軟正黑體" pitchFamily="34" charset="-120"/>
+            </a:endParaRPr>
+          </a:p>
           <a:p>
             <a:pPr algn="ctr">
               <a:buNone/>
             </a:pPr>
             <a:r>
-              <a:rPr lang="zh-TW" altLang="en-US" sz="4800" b="1" dirty="0">
+              <a:rPr lang="zh-CN" altLang="en-US" sz="4800" b="1" dirty="0">
+                <a:solidFill>
+                  <a:srgbClr val="000066"/>
+                </a:solidFill>
                 <a:latin typeface="微軟正黑體" pitchFamily="34" charset="-120"/>
                 <a:ea typeface="微軟正黑體" pitchFamily="34" charset="-120"/>
               </a:rPr>
-              <a:t>就算世界</a:t>
-            </a:r>
-            <a:r>
-              <a:rPr lang="zh-TW" altLang="en-US" sz="4800" b="1" dirty="0" smtClean="0">
+              <a:t>袮</a:t>
+            </a:r>
+            <a:r>
+              <a:rPr lang="zh-TW" altLang="en-US" sz="4800" b="1" dirty="0">
+                <a:solidFill>
+                  <a:srgbClr val="000066"/>
+                </a:solidFill>
                 <a:latin typeface="微軟正黑體" pitchFamily="34" charset="-120"/>
                 <a:ea typeface="微軟正黑體" pitchFamily="34" charset="-120"/>
               </a:rPr>
-              <a:t>變</a:t>
-            </a:r>
-            <a:endParaRPr lang="en-US" altLang="zh-TW" sz="4800" b="1" dirty="0" smtClean="0">
-              <a:latin typeface="微軟正黑體" pitchFamily="34" charset="-120"/>
-              <a:ea typeface="微軟正黑體" pitchFamily="34" charset="-120"/>
-            </a:endParaRPr>
-          </a:p>
-          <a:p>
-            <a:pPr algn="ctr">
-              <a:buNone/>
-            </a:pPr>
-            <a:r>
-              <a:rPr lang="zh-TW" altLang="en-US" sz="4800" b="1" dirty="0" smtClean="0">
+              <a:t>也全然妝飾</a:t>
+            </a:r>
+            <a:r>
+              <a:rPr lang="en-US" altLang="zh-TW" sz="4800" b="1" dirty="0">
+                <a:solidFill>
+                  <a:srgbClr val="000066"/>
+                </a:solidFill>
                 <a:latin typeface="微軟正黑體" pitchFamily="34" charset="-120"/>
                 <a:ea typeface="微軟正黑體" pitchFamily="34" charset="-120"/>
               </a:rPr>
-              <a:t>面對</a:t>
-            </a:r>
-            <a:r>
-              <a:rPr lang="zh-TW" altLang="en-US" sz="4800" b="1" dirty="0">
-                <a:latin typeface="微軟正黑體" pitchFamily="34" charset="-120"/>
-                <a:ea typeface="微軟正黑體" pitchFamily="34" charset="-120"/>
-              </a:rPr>
-              <a:t>狂雷和</a:t>
-            </a:r>
-            <a:r>
-              <a:rPr lang="zh-TW" altLang="en-US" sz="4800" b="1" dirty="0" smtClean="0">
-                <a:latin typeface="微軟正黑體" pitchFamily="34" charset="-120"/>
-                <a:ea typeface="微軟正黑體" pitchFamily="34" charset="-120"/>
-              </a:rPr>
-              <a:t>暴雨</a:t>
-            </a:r>
-            <a:endParaRPr lang="en-US" altLang="zh-TW" sz="4800" b="1" dirty="0" smtClean="0">
-              <a:latin typeface="微軟正黑體" pitchFamily="34" charset="-120"/>
-              <a:ea typeface="微軟正黑體" pitchFamily="34" charset="-120"/>
-            </a:endParaRPr>
-          </a:p>
-          <a:p>
-            <a:pPr algn="ctr">
-              <a:buNone/>
-            </a:pPr>
-            <a:r>
-              <a:rPr lang="zh-TW" altLang="en-US" sz="4800" b="1" dirty="0" smtClean="0">
-                <a:latin typeface="微軟正黑體" pitchFamily="34" charset="-120"/>
-                <a:ea typeface="微軟正黑體" pitchFamily="34" charset="-120"/>
-              </a:rPr>
-              <a:t>就是</a:t>
-            </a:r>
-            <a:r>
-              <a:rPr lang="zh-TW" altLang="en-US" sz="4800" b="1" dirty="0">
-                <a:latin typeface="微軟正黑體" pitchFamily="34" charset="-120"/>
-                <a:ea typeface="微軟正黑體" pitchFamily="34" charset="-120"/>
-              </a:rPr>
-              <a:t>地動也山</a:t>
-            </a:r>
-            <a:r>
-              <a:rPr lang="zh-TW" altLang="en-US" sz="4800" b="1" dirty="0" smtClean="0">
-                <a:latin typeface="微軟正黑體" pitchFamily="34" charset="-120"/>
-                <a:ea typeface="微軟正黑體" pitchFamily="34" charset="-120"/>
-              </a:rPr>
-              <a:t>搖</a:t>
-            </a:r>
-            <a:endParaRPr lang="en-US" altLang="zh-TW" sz="4800" b="1" dirty="0" smtClean="0">
-              <a:latin typeface="微軟正黑體" pitchFamily="34" charset="-120"/>
-              <a:ea typeface="微軟正黑體" pitchFamily="34" charset="-120"/>
-            </a:endParaRPr>
-          </a:p>
-          <a:p>
-            <a:pPr algn="ctr">
-              <a:buNone/>
-            </a:pPr>
-            <a:r>
-              <a:rPr lang="zh-TW" altLang="en-US" sz="4800" b="1" dirty="0" smtClean="0">
-                <a:latin typeface="微軟正黑體" pitchFamily="34" charset="-120"/>
-                <a:ea typeface="微軟正黑體" pitchFamily="34" charset="-120"/>
-              </a:rPr>
-              <a:t>唯獨</a:t>
-            </a:r>
-            <a:r>
-              <a:rPr lang="zh-TW" altLang="en-US" sz="4800" b="1" dirty="0">
-                <a:latin typeface="微軟正黑體" pitchFamily="34" charset="-120"/>
-                <a:ea typeface="微軟正黑體" pitchFamily="34" charset="-120"/>
-              </a:rPr>
-              <a:t>你仍沒有轉動影兒</a:t>
+              <a:t> </a:t>
             </a:r>
           </a:p>
         </p:txBody>
       </p:sp>
     </p:spTree>
+    <p:extLst>
+      <p:ext uri="{BB962C8B-B14F-4D97-AF65-F5344CB8AC3E}">
+        <p14:creationId xmlns:p14="http://schemas.microsoft.com/office/powerpoint/2010/main" val="890621880"/>
+      </p:ext>
+    </p:extLst>
   </p:cSld>
   <p:clrMapOvr>
     <a:masterClrMapping/>
@@ -3855,71 +3861,73 @@
       </p:grpSpPr>
       <p:sp>
         <p:nvSpPr>
-          <p:cNvPr id="4" name="標題 3"/>
-          <p:cNvSpPr>
-            <a:spLocks noGrp="1"/>
-          </p:cNvSpPr>
-          <p:nvPr>
-            <p:ph type="title"/>
-          </p:nvPr>
-        </p:nvSpPr>
-        <p:spPr/>
-        <p:txBody>
-          <a:bodyPr>
+          <p:cNvPr id="5" name="內容版面配置區 4"/>
+          <p:cNvSpPr>
+            <a:spLocks noGrp="1"/>
+          </p:cNvSpPr>
+          <p:nvPr>
+            <p:ph idx="1"/>
+          </p:nvPr>
+        </p:nvSpPr>
+        <p:spPr>
+          <a:xfrm>
+            <a:off x="0" y="1563638"/>
+            <a:ext cx="9144000" cy="1803647"/>
+          </a:xfrm>
+        </p:spPr>
+        <p:txBody>
+          <a:bodyPr anchor="ctr">
             <a:normAutofit/>
           </a:bodyPr>
           <a:lstStyle/>
           <a:p>
-            <a:r>
-              <a:rPr lang="zh-TW" altLang="en-US" b="1" dirty="0">
+            <a:pPr algn="ctr">
+              <a:buNone/>
+            </a:pPr>
+            <a:r>
+              <a:rPr lang="zh-TW" altLang="en-US" sz="4800" b="1" dirty="0" smtClean="0">
+                <a:solidFill>
+                  <a:srgbClr val="000066"/>
+                </a:solidFill>
                 <a:latin typeface="微軟正黑體" pitchFamily="34" charset="-120"/>
                 <a:ea typeface="微軟正黑體" pitchFamily="34" charset="-120"/>
               </a:rPr>
-              <a:t>世界變</a:t>
-            </a:r>
-          </a:p>
-        </p:txBody>
-      </p:sp>
-      <p:sp>
-        <p:nvSpPr>
-          <p:cNvPr id="5" name="內容版面配置區 4"/>
-          <p:cNvSpPr>
-            <a:spLocks noGrp="1"/>
-          </p:cNvSpPr>
-          <p:nvPr>
-            <p:ph idx="1"/>
-          </p:nvPr>
-        </p:nvSpPr>
-        <p:spPr>
-          <a:xfrm>
-            <a:off x="0" y="1200150"/>
-            <a:ext cx="9144000" cy="3943350"/>
-          </a:xfrm>
-        </p:spPr>
-        <p:txBody>
-          <a:bodyPr>
-            <a:normAutofit/>
-          </a:bodyPr>
-          <a:lstStyle/>
-          <a:p>
-            <a:pPr algn="ctr">
-              <a:buNone/>
-            </a:pPr>
+              <a:t>地</a:t>
+            </a:r>
             <a:r>
               <a:rPr lang="zh-TW" altLang="en-US" sz="4800" b="1" dirty="0">
+                <a:solidFill>
+                  <a:srgbClr val="000066"/>
+                </a:solidFill>
                 <a:latin typeface="微軟正黑體" pitchFamily="34" charset="-120"/>
                 <a:ea typeface="微軟正黑體" pitchFamily="34" charset="-120"/>
               </a:rPr>
-              <a:t>就算世界</a:t>
-            </a:r>
-            <a:r>
-              <a:rPr lang="zh-TW" altLang="en-US" sz="4800" b="1" dirty="0" smtClean="0">
+              <a:t>上的高低起</a:t>
+            </a:r>
+            <a:r>
+              <a:rPr lang="zh-TW" altLang="en-US" sz="4800" b="1" dirty="0">
+                <a:solidFill>
+                  <a:srgbClr val="000066"/>
+                </a:solidFill>
                 <a:latin typeface="微軟正黑體" pitchFamily="34" charset="-120"/>
                 <a:ea typeface="微軟正黑體" pitchFamily="34" charset="-120"/>
               </a:rPr>
-              <a:t>變</a:t>
-            </a:r>
-            <a:endParaRPr lang="en-US" altLang="zh-TW" sz="4800" b="1" dirty="0" smtClean="0">
+              <a:t>跌  主</a:t>
+            </a:r>
+            <a:r>
+              <a:rPr lang="zh-TW" altLang="en-US" sz="4800" b="1" dirty="0">
+                <a:solidFill>
+                  <a:srgbClr val="000066"/>
+                </a:solidFill>
+                <a:latin typeface="微軟正黑體" pitchFamily="34" charset="-120"/>
+                <a:ea typeface="微軟正黑體" pitchFamily="34" charset="-120"/>
+              </a:rPr>
+              <a:t>都一一知道</a:t>
+            </a:r>
+            <a:endParaRPr lang="en-US" altLang="zh-TW" sz="4800" b="1" dirty="0">
+              <a:solidFill>
+                <a:srgbClr val="000066"/>
+              </a:solidFill>
               <a:latin typeface="微軟正黑體" pitchFamily="34" charset="-120"/>
               <a:ea typeface="微軟正黑體" pitchFamily="34" charset="-120"/>
             </a:endParaRPr>
@@ -3929,115 +3937,41 @@
               <a:buNone/>
             </a:pPr>
             <a:r>
-              <a:rPr lang="zh-TW" altLang="en-US" sz="4800" b="1" dirty="0" smtClean="0">
+              <a:rPr lang="zh-TW" altLang="en-US" sz="4800" b="1" dirty="0">
+                <a:solidFill>
+                  <a:srgbClr val="000066"/>
+                </a:solidFill>
                 <a:latin typeface="微軟正黑體" pitchFamily="34" charset="-120"/>
                 <a:ea typeface="微軟正黑體" pitchFamily="34" charset="-120"/>
               </a:rPr>
-              <a:t>十</a:t>
+              <a:t>誰在意這刻天空正下</a:t>
             </a:r>
             <a:r>
               <a:rPr lang="zh-TW" altLang="en-US" sz="4800" b="1" dirty="0">
+                <a:solidFill>
+                  <a:srgbClr val="000066"/>
+                </a:solidFill>
                 <a:latin typeface="微軟正黑體" pitchFamily="34" charset="-120"/>
                 <a:ea typeface="微軟正黑體" pitchFamily="34" charset="-120"/>
               </a:rPr>
-              <a:t>架恩典從未</a:t>
-            </a:r>
-            <a:r>
-              <a:rPr lang="zh-TW" altLang="en-US" sz="4800" b="1" dirty="0" smtClean="0">
-                <a:latin typeface="微軟正黑體" pitchFamily="34" charset="-120"/>
-                <a:ea typeface="微軟正黑體" pitchFamily="34" charset="-120"/>
-              </a:rPr>
-              <a:t>變</a:t>
-            </a:r>
-            <a:endParaRPr lang="en-US" altLang="zh-TW" sz="4800" b="1" dirty="0">
+              <a:t>雨</a:t>
+            </a:r>
+            <a:endParaRPr lang="zh-TW" altLang="en-US" sz="4800" b="1" dirty="0">
+              <a:solidFill>
+                <a:srgbClr val="000066"/>
+              </a:solidFill>
               <a:latin typeface="微軟正黑體" pitchFamily="34" charset="-120"/>
               <a:ea typeface="微軟正黑體" pitchFamily="34" charset="-120"/>
             </a:endParaRPr>
           </a:p>
-          <a:p>
-            <a:pPr algn="ctr">
-              <a:buNone/>
-            </a:pPr>
-            <a:r>
-              <a:rPr lang="zh-TW" altLang="en-US" sz="4800" b="1" dirty="0" smtClean="0">
-                <a:latin typeface="微軟正黑體" pitchFamily="34" charset="-120"/>
-                <a:ea typeface="微軟正黑體" pitchFamily="34" charset="-120"/>
-              </a:rPr>
-              <a:t>滄海</a:t>
-            </a:r>
-            <a:r>
-              <a:rPr lang="zh-TW" altLang="en-US" sz="4800" b="1" dirty="0">
-                <a:latin typeface="微軟正黑體" pitchFamily="34" charset="-120"/>
-                <a:ea typeface="微軟正黑體" pitchFamily="34" charset="-120"/>
-              </a:rPr>
-              <a:t>儘管有日變</a:t>
-            </a:r>
-            <a:r>
-              <a:rPr lang="zh-TW" altLang="en-US" sz="4800" b="1" dirty="0" smtClean="0">
-                <a:latin typeface="微軟正黑體" pitchFamily="34" charset="-120"/>
-                <a:ea typeface="微軟正黑體" pitchFamily="34" charset="-120"/>
-              </a:rPr>
-              <a:t>桑田</a:t>
-            </a:r>
-            <a:endParaRPr lang="en-US" altLang="zh-TW" sz="4800" b="1" dirty="0" smtClean="0">
-              <a:latin typeface="微軟正黑體" pitchFamily="34" charset="-120"/>
-              <a:ea typeface="微軟正黑體" pitchFamily="34" charset="-120"/>
-            </a:endParaRPr>
-          </a:p>
-          <a:p>
-            <a:pPr algn="ctr">
-              <a:buNone/>
-            </a:pPr>
-            <a:r>
-              <a:rPr lang="zh-TW" altLang="en-US" sz="4800" b="1" dirty="0" smtClean="0">
-                <a:latin typeface="微軟正黑體" pitchFamily="34" charset="-120"/>
-                <a:ea typeface="微軟正黑體" pitchFamily="34" charset="-120"/>
-              </a:rPr>
-              <a:t>人在那低谷之</a:t>
-            </a:r>
-            <a:r>
-              <a:rPr lang="zh-TW" altLang="en-US" sz="4800" b="1" dirty="0" smtClean="0">
-                <a:latin typeface="微軟正黑體" pitchFamily="34" charset="-120"/>
-                <a:ea typeface="微軟正黑體" pitchFamily="34" charset="-120"/>
-              </a:rPr>
-              <a:t>處</a:t>
-            </a:r>
-            <a:r>
-              <a:rPr lang="en-US" altLang="zh-TW" sz="4800" b="1" dirty="0" smtClean="0">
-                <a:latin typeface="微軟正黑體" pitchFamily="34" charset="-120"/>
-                <a:ea typeface="微軟正黑體" pitchFamily="34" charset="-120"/>
-              </a:rPr>
-              <a:t>  </a:t>
-            </a:r>
-            <a:r>
-              <a:rPr lang="zh-TW" altLang="en-US" sz="4800" b="1" dirty="0" smtClean="0">
-                <a:latin typeface="微軟正黑體" pitchFamily="34" charset="-120"/>
-                <a:ea typeface="微軟正黑體" pitchFamily="34" charset="-120"/>
-              </a:rPr>
-              <a:t>生</a:t>
-            </a:r>
-            <a:r>
-              <a:rPr lang="zh-TW" altLang="en-US" sz="4800" b="1" dirty="0" smtClean="0">
-                <a:latin typeface="微軟正黑體" pitchFamily="34" charset="-120"/>
-                <a:ea typeface="微軟正黑體" pitchFamily="34" charset="-120"/>
-              </a:rPr>
-              <a:t>天已</a:t>
-            </a:r>
-            <a:r>
-              <a:rPr lang="zh-TW" altLang="en-US" sz="4800" b="1" dirty="0" smtClean="0">
-                <a:latin typeface="微軟正黑體" pitchFamily="34" charset="-120"/>
-                <a:ea typeface="微軟正黑體" pitchFamily="34" charset="-120"/>
-              </a:rPr>
-              <a:t>望見</a:t>
-            </a:r>
-            <a:endParaRPr lang="en-US" altLang="zh-TW" sz="4800" b="1" dirty="0" smtClean="0">
-              <a:latin typeface="微軟正黑體" pitchFamily="34" charset="-120"/>
-              <a:ea typeface="微軟正黑體" pitchFamily="34" charset="-120"/>
-            </a:endParaRPr>
-          </a:p>
         </p:txBody>
       </p:sp>
     </p:spTree>
+    <p:extLst>
+      <p:ext uri="{BB962C8B-B14F-4D97-AF65-F5344CB8AC3E}">
+        <p14:creationId xmlns:p14="http://schemas.microsoft.com/office/powerpoint/2010/main" val="1461188642"/>
+      </p:ext>
+    </p:extLst>
   </p:cSld>
   <p:clrMapOvr>
     <a:masterClrMapping/>
@@ -4064,104 +3998,438 @@
       </p:grpSpPr>
       <p:sp>
         <p:nvSpPr>
-          <p:cNvPr id="4" name="標題 3"/>
-          <p:cNvSpPr>
-            <a:spLocks noGrp="1"/>
-          </p:cNvSpPr>
-          <p:nvPr>
-            <p:ph type="title"/>
-          </p:nvPr>
-        </p:nvSpPr>
-        <p:spPr/>
-        <p:txBody>
-          <a:bodyPr>
+          <p:cNvPr id="5" name="內容版面配置區 4"/>
+          <p:cNvSpPr>
+            <a:spLocks noGrp="1"/>
+          </p:cNvSpPr>
+          <p:nvPr>
+            <p:ph idx="1"/>
+          </p:nvPr>
+        </p:nvSpPr>
+        <p:spPr>
+          <a:xfrm>
+            <a:off x="0" y="1563638"/>
+            <a:ext cx="9144000" cy="1803647"/>
+          </a:xfrm>
+        </p:spPr>
+        <p:txBody>
+          <a:bodyPr anchor="ctr">
             <a:normAutofit/>
           </a:bodyPr>
           <a:lstStyle/>
           <a:p>
-            <a:r>
-              <a:rPr lang="zh-TW" altLang="en-US" b="1" dirty="0">
+            <a:pPr algn="ctr">
+              <a:buNone/>
+            </a:pPr>
+            <a:r>
+              <a:rPr lang="zh-TW" altLang="en-US" sz="4800" b="1" dirty="0">
+                <a:solidFill>
+                  <a:srgbClr val="000066"/>
+                </a:solidFill>
                 <a:latin typeface="微軟正黑體" pitchFamily="34" charset="-120"/>
                 <a:ea typeface="微軟正黑體" pitchFamily="34" charset="-120"/>
               </a:rPr>
-              <a:t>世界變</a:t>
-            </a:r>
-          </a:p>
-        </p:txBody>
-      </p:sp>
-      <p:sp>
-        <p:nvSpPr>
-          <p:cNvPr id="5" name="內容版面配置區 4"/>
-          <p:cNvSpPr>
-            <a:spLocks noGrp="1"/>
-          </p:cNvSpPr>
-          <p:nvPr>
-            <p:ph idx="1"/>
-          </p:nvPr>
-        </p:nvSpPr>
-        <p:spPr>
-          <a:xfrm>
-            <a:off x="0" y="1200150"/>
-            <a:ext cx="9144000" cy="3943350"/>
-          </a:xfrm>
-        </p:spPr>
-        <p:txBody>
-          <a:bodyPr>
-            <a:normAutofit/>
-          </a:bodyPr>
-          <a:lstStyle/>
-          <a:p>
-            <a:pPr algn="ctr">
-              <a:buNone/>
-            </a:pPr>
-            <a:r>
-              <a:rPr lang="zh-TW" altLang="en-US" sz="4800" b="1" dirty="0" smtClean="0">
+              <a:t>人在</a:t>
+            </a:r>
+            <a:r>
+              <a:rPr lang="zh-CN" altLang="en-US" sz="4800" b="1" dirty="0">
+                <a:solidFill>
+                  <a:srgbClr val="000066"/>
+                </a:solidFill>
                 <a:latin typeface="微軟正黑體" pitchFamily="34" charset="-120"/>
                 <a:ea typeface="微軟正黑體" pitchFamily="34" charset="-120"/>
               </a:rPr>
-              <a:t>藏</a:t>
+              <a:t>袮</a:t>
             </a:r>
             <a:r>
               <a:rPr lang="zh-TW" altLang="en-US" sz="4800" b="1" dirty="0">
+                <a:solidFill>
+                  <a:srgbClr val="000066"/>
+                </a:solidFill>
                 <a:latin typeface="微軟正黑體" pitchFamily="34" charset="-120"/>
                 <a:ea typeface="微軟正黑體" pitchFamily="34" charset="-120"/>
               </a:rPr>
-              <a:t>在你應許</a:t>
-            </a:r>
-            <a:r>
-              <a:rPr lang="zh-TW" altLang="en-US" sz="4800" b="1" dirty="0" smtClean="0">
+              <a:t>愛裡比這些一切矜貴</a:t>
+            </a:r>
+            <a:endParaRPr lang="en-US" altLang="zh-TW" sz="4800" b="1" dirty="0">
+              <a:solidFill>
+                <a:srgbClr val="000066"/>
+              </a:solidFill>
+              <a:latin typeface="微軟正黑體" pitchFamily="34" charset="-120"/>
+              <a:ea typeface="微軟正黑體" pitchFamily="34" charset="-120"/>
+            </a:endParaRPr>
+          </a:p>
+          <a:p>
+            <a:pPr algn="ctr">
+              <a:buNone/>
+            </a:pPr>
+            <a:r>
+              <a:rPr lang="zh-TW" altLang="en-US" sz="4800" b="1" dirty="0">
+                <a:solidFill>
+                  <a:srgbClr val="000066"/>
+                </a:solidFill>
                 <a:latin typeface="微軟正黑體" pitchFamily="34" charset="-120"/>
                 <a:ea typeface="微軟正黑體" pitchFamily="34" charset="-120"/>
               </a:rPr>
-              <a:t>深處</a:t>
-            </a:r>
-            <a:endParaRPr lang="en-US" altLang="zh-TW" sz="4800" b="1" dirty="0" smtClean="0">
+              <a:t>何以手執擔憂始終不會放低</a:t>
+            </a:r>
+            <a:endParaRPr lang="en-US" altLang="zh-TW" sz="4800" b="1" dirty="0">
+              <a:solidFill>
+                <a:srgbClr val="000066"/>
+              </a:solidFill>
               <a:latin typeface="微軟正黑體" pitchFamily="34" charset="-120"/>
               <a:ea typeface="微軟正黑體" pitchFamily="34" charset="-120"/>
             </a:endParaRPr>
           </a:p>
+        </p:txBody>
+      </p:sp>
+    </p:spTree>
+    <p:extLst>
+      <p:ext uri="{BB962C8B-B14F-4D97-AF65-F5344CB8AC3E}">
+        <p14:creationId xmlns:p14="http://schemas.microsoft.com/office/powerpoint/2010/main" val="1339240828"/>
+      </p:ext>
+    </p:extLst>
+  </p:cSld>
+  <p:clrMapOvr>
+    <a:masterClrMapping/>
+  </p:clrMapOvr>
+</p:sld>
+</file>
+
+<file path=ppt/slides/slide7.xml><?xml version="1.0" encoding="utf-8"?>
+<p:sld xmlns:a="http://schemas.openxmlformats.org/drawingml/2006/main" xmlns:r="http://schemas.openxmlformats.org/officeDocument/2006/relationships" xmlns:p="http://schemas.openxmlformats.org/presentationml/2006/main">
+  <p:cSld>
+    <p:spTree>
+      <p:nvGrpSpPr>
+        <p:cNvPr id="1" name=""/>
+        <p:cNvGrpSpPr/>
+        <p:nvPr/>
+      </p:nvGrpSpPr>
+      <p:grpSpPr>
+        <a:xfrm>
+          <a:off x="0" y="0"/>
+          <a:ext cx="0" cy="0"/>
+          <a:chOff x="0" y="0"/>
+          <a:chExt cx="0" cy="0"/>
+        </a:xfrm>
+      </p:grpSpPr>
+      <p:sp>
+        <p:nvSpPr>
+          <p:cNvPr id="5" name="內容版面配置區 4"/>
+          <p:cNvSpPr>
+            <a:spLocks noGrp="1"/>
+          </p:cNvSpPr>
+          <p:nvPr>
+            <p:ph idx="1"/>
+          </p:nvPr>
+        </p:nvSpPr>
+        <p:spPr>
+          <a:xfrm>
+            <a:off x="0" y="1563638"/>
+            <a:ext cx="9144000" cy="1803647"/>
+          </a:xfrm>
+        </p:spPr>
+        <p:txBody>
+          <a:bodyPr anchor="ctr">
+            <a:normAutofit/>
+          </a:bodyPr>
+          <a:lstStyle/>
           <a:p>
             <a:pPr algn="ctr">
               <a:buNone/>
             </a:pPr>
             <a:r>
-              <a:rPr lang="zh-TW" altLang="en-US" sz="4800" b="1" dirty="0" smtClean="0">
+              <a:rPr lang="zh-TW" altLang="en-US" sz="4800" b="1" dirty="0">
+                <a:solidFill>
+                  <a:srgbClr val="000066"/>
+                </a:solidFill>
                 <a:latin typeface="微軟正黑體" pitchFamily="34" charset="-120"/>
                 <a:ea typeface="微軟正黑體" pitchFamily="34" charset="-120"/>
               </a:rPr>
-              <a:t>恩典</a:t>
-            </a:r>
-            <a:r>
-              <a:rPr lang="zh-TW" altLang="en-US" sz="4800" b="1" dirty="0">
+              <a:t>尋覓</a:t>
+            </a:r>
+            <a:r>
+              <a:rPr lang="zh-CN" altLang="en-US" sz="4800" b="1" dirty="0">
+                <a:solidFill>
+                  <a:srgbClr val="000066"/>
+                </a:solidFill>
                 <a:latin typeface="微軟正黑體" pitchFamily="34" charset="-120"/>
                 <a:ea typeface="微軟正黑體" pitchFamily="34" charset="-120"/>
               </a:rPr>
-              <a:t>已遇見</a:t>
-            </a:r>
+              <a:t>袮</a:t>
+            </a:r>
+            <a:r>
+              <a:rPr lang="zh-TW" altLang="en-US" sz="4800" b="1" dirty="0">
+                <a:solidFill>
+                  <a:srgbClr val="000066"/>
+                </a:solidFill>
+                <a:latin typeface="微軟正黑體" pitchFamily="34" charset="-120"/>
+                <a:ea typeface="微軟正黑體" pitchFamily="34" charset="-120"/>
+              </a:rPr>
+              <a:t>的面必得相見</a:t>
+            </a:r>
+            <a:endParaRPr lang="en-US" altLang="zh-TW" sz="4800" b="1" dirty="0">
+              <a:solidFill>
+                <a:srgbClr val="000066"/>
+              </a:solidFill>
+              <a:latin typeface="微軟正黑體" pitchFamily="34" charset="-120"/>
+              <a:ea typeface="微軟正黑體" pitchFamily="34" charset="-120"/>
+            </a:endParaRPr>
+          </a:p>
+          <a:p>
+            <a:pPr algn="ctr">
+              <a:buNone/>
+            </a:pPr>
+            <a:r>
+              <a:rPr lang="zh-TW" altLang="en-US" sz="4800" b="1" dirty="0">
+                <a:solidFill>
+                  <a:srgbClr val="000066"/>
+                </a:solidFill>
+                <a:latin typeface="微軟正黑體" pitchFamily="34" charset="-120"/>
+                <a:ea typeface="微軟正黑體" pitchFamily="34" charset="-120"/>
+              </a:rPr>
+              <a:t>今天我單單仰望</a:t>
+            </a:r>
+            <a:r>
+              <a:rPr lang="zh-CN" altLang="en-US" sz="4800" b="1" dirty="0">
+                <a:solidFill>
+                  <a:srgbClr val="000066"/>
+                </a:solidFill>
+                <a:latin typeface="微軟正黑體" pitchFamily="34" charset="-120"/>
+                <a:ea typeface="微軟正黑體" pitchFamily="34" charset="-120"/>
+              </a:rPr>
+              <a:t>袮</a:t>
+            </a:r>
+            <a:endParaRPr lang="zh-TW" altLang="en-US" sz="4800" b="1" dirty="0">
+              <a:solidFill>
+                <a:srgbClr val="000066"/>
+              </a:solidFill>
+              <a:latin typeface="微軟正黑體" pitchFamily="34" charset="-120"/>
+              <a:ea typeface="微軟正黑體" pitchFamily="34" charset="-120"/>
+            </a:endParaRPr>
           </a:p>
         </p:txBody>
       </p:sp>
     </p:spTree>
+    <p:extLst>
+      <p:ext uri="{BB962C8B-B14F-4D97-AF65-F5344CB8AC3E}">
+        <p14:creationId xmlns:p14="http://schemas.microsoft.com/office/powerpoint/2010/main" val="2050324342"/>
+      </p:ext>
+    </p:extLst>
+  </p:cSld>
+  <p:clrMapOvr>
+    <a:masterClrMapping/>
+  </p:clrMapOvr>
+</p:sld>
+</file>
+
+<file path=ppt/slides/slide8.xml><?xml version="1.0" encoding="utf-8"?>
+<p:sld xmlns:a="http://schemas.openxmlformats.org/drawingml/2006/main" xmlns:r="http://schemas.openxmlformats.org/officeDocument/2006/relationships" xmlns:p="http://schemas.openxmlformats.org/presentationml/2006/main">
+  <p:cSld>
+    <p:spTree>
+      <p:nvGrpSpPr>
+        <p:cNvPr id="1" name=""/>
+        <p:cNvGrpSpPr/>
+        <p:nvPr/>
+      </p:nvGrpSpPr>
+      <p:grpSpPr>
+        <a:xfrm>
+          <a:off x="0" y="0"/>
+          <a:ext cx="0" cy="0"/>
+          <a:chOff x="0" y="0"/>
+          <a:chExt cx="0" cy="0"/>
+        </a:xfrm>
+      </p:grpSpPr>
+      <p:sp>
+        <p:nvSpPr>
+          <p:cNvPr id="5" name="內容版面配置區 4"/>
+          <p:cNvSpPr>
+            <a:spLocks noGrp="1"/>
+          </p:cNvSpPr>
+          <p:nvPr>
+            <p:ph idx="1"/>
+          </p:nvPr>
+        </p:nvSpPr>
+        <p:spPr>
+          <a:xfrm>
+            <a:off x="0" y="1563638"/>
+            <a:ext cx="9144000" cy="1803647"/>
+          </a:xfrm>
+        </p:spPr>
+        <p:txBody>
+          <a:bodyPr anchor="ctr">
+            <a:normAutofit/>
+          </a:bodyPr>
+          <a:lstStyle/>
+          <a:p>
+            <a:pPr algn="ctr">
+              <a:buNone/>
+            </a:pPr>
+            <a:r>
+              <a:rPr lang="zh-TW" altLang="en-US" sz="4800" b="1" dirty="0">
+                <a:solidFill>
+                  <a:srgbClr val="000066"/>
+                </a:solidFill>
+                <a:latin typeface="微軟正黑體" pitchFamily="34" charset="-120"/>
+                <a:ea typeface="微軟正黑體" pitchFamily="34" charset="-120"/>
+              </a:rPr>
+              <a:t>就算世界變</a:t>
+            </a:r>
+            <a:endParaRPr lang="en-US" altLang="zh-TW" sz="4800" b="1" dirty="0">
+              <a:solidFill>
+                <a:srgbClr val="000066"/>
+              </a:solidFill>
+              <a:latin typeface="微軟正黑體" pitchFamily="34" charset="-120"/>
+              <a:ea typeface="微軟正黑體" pitchFamily="34" charset="-120"/>
+            </a:endParaRPr>
+          </a:p>
+          <a:p>
+            <a:pPr algn="ctr">
+              <a:buNone/>
+            </a:pPr>
+            <a:r>
+              <a:rPr lang="zh-TW" altLang="en-US" sz="4800" b="1" dirty="0">
+                <a:solidFill>
+                  <a:srgbClr val="000066"/>
+                </a:solidFill>
+                <a:latin typeface="微軟正黑體" pitchFamily="34" charset="-120"/>
+                <a:ea typeface="微軟正黑體" pitchFamily="34" charset="-120"/>
+              </a:rPr>
+              <a:t>面對狂雷和暴雨</a:t>
+            </a:r>
+            <a:endParaRPr lang="en-US" altLang="zh-TW" sz="4800" b="1" dirty="0">
+              <a:solidFill>
+                <a:srgbClr val="000066"/>
+              </a:solidFill>
+              <a:latin typeface="微軟正黑體" pitchFamily="34" charset="-120"/>
+              <a:ea typeface="微軟正黑體" pitchFamily="34" charset="-120"/>
+            </a:endParaRPr>
+          </a:p>
+        </p:txBody>
+      </p:sp>
+    </p:spTree>
+    <p:extLst>
+      <p:ext uri="{BB962C8B-B14F-4D97-AF65-F5344CB8AC3E}">
+        <p14:creationId xmlns:p14="http://schemas.microsoft.com/office/powerpoint/2010/main" val="3387199657"/>
+      </p:ext>
+    </p:extLst>
+  </p:cSld>
+  <p:clrMapOvr>
+    <a:masterClrMapping/>
+  </p:clrMapOvr>
+</p:sld>
+</file>
+
+<file path=ppt/slides/slide9.xml><?xml version="1.0" encoding="utf-8"?>
+<p:sld xmlns:a="http://schemas.openxmlformats.org/drawingml/2006/main" xmlns:r="http://schemas.openxmlformats.org/officeDocument/2006/relationships" xmlns:p="http://schemas.openxmlformats.org/presentationml/2006/main">
+  <p:cSld>
+    <p:spTree>
+      <p:nvGrpSpPr>
+        <p:cNvPr id="1" name=""/>
+        <p:cNvGrpSpPr/>
+        <p:nvPr/>
+      </p:nvGrpSpPr>
+      <p:grpSpPr>
+        <a:xfrm>
+          <a:off x="0" y="0"/>
+          <a:ext cx="0" cy="0"/>
+          <a:chOff x="0" y="0"/>
+          <a:chExt cx="0" cy="0"/>
+        </a:xfrm>
+      </p:grpSpPr>
+      <p:sp>
+        <p:nvSpPr>
+          <p:cNvPr id="5" name="內容版面配置區 4"/>
+          <p:cNvSpPr>
+            <a:spLocks noGrp="1"/>
+          </p:cNvSpPr>
+          <p:nvPr>
+            <p:ph idx="1"/>
+          </p:nvPr>
+        </p:nvSpPr>
+        <p:spPr>
+          <a:xfrm>
+            <a:off x="0" y="1563638"/>
+            <a:ext cx="9144000" cy="1803647"/>
+          </a:xfrm>
+        </p:spPr>
+        <p:txBody>
+          <a:bodyPr anchor="ctr">
+            <a:normAutofit/>
+          </a:bodyPr>
+          <a:lstStyle/>
+          <a:p>
+            <a:pPr algn="ctr">
+              <a:buNone/>
+            </a:pPr>
+            <a:r>
+              <a:rPr lang="zh-TW" altLang="en-US" sz="4800" b="1" dirty="0">
+                <a:solidFill>
+                  <a:srgbClr val="000066"/>
+                </a:solidFill>
+                <a:latin typeface="微軟正黑體" pitchFamily="34" charset="-120"/>
+                <a:ea typeface="微軟正黑體" pitchFamily="34" charset="-120"/>
+              </a:rPr>
+              <a:t>就是地動也山搖</a:t>
+            </a:r>
+            <a:endParaRPr lang="en-US" altLang="zh-TW" sz="4800" b="1" dirty="0">
+              <a:solidFill>
+                <a:srgbClr val="000066"/>
+              </a:solidFill>
+              <a:latin typeface="微軟正黑體" pitchFamily="34" charset="-120"/>
+              <a:ea typeface="微軟正黑體" pitchFamily="34" charset="-120"/>
+            </a:endParaRPr>
+          </a:p>
+          <a:p>
+            <a:pPr algn="ctr">
+              <a:buNone/>
+            </a:pPr>
+            <a:r>
+              <a:rPr lang="zh-TW" altLang="en-US" sz="4800" b="1" dirty="0">
+                <a:solidFill>
+                  <a:srgbClr val="000066"/>
+                </a:solidFill>
+                <a:latin typeface="微軟正黑體" pitchFamily="34" charset="-120"/>
+                <a:ea typeface="微軟正黑體" pitchFamily="34" charset="-120"/>
+              </a:rPr>
+              <a:t>唯獨</a:t>
+            </a:r>
+            <a:r>
+              <a:rPr lang="zh-CN" altLang="en-US" sz="4800" b="1" dirty="0">
+                <a:solidFill>
+                  <a:srgbClr val="000066"/>
+                </a:solidFill>
+                <a:latin typeface="微軟正黑體" pitchFamily="34" charset="-120"/>
+                <a:ea typeface="微軟正黑體" pitchFamily="34" charset="-120"/>
+              </a:rPr>
+              <a:t>袮</a:t>
+            </a:r>
+            <a:r>
+              <a:rPr lang="zh-TW" altLang="en-US" sz="4800" b="1" dirty="0">
+                <a:solidFill>
+                  <a:srgbClr val="000066"/>
+                </a:solidFill>
+                <a:latin typeface="微軟正黑體" pitchFamily="34" charset="-120"/>
+                <a:ea typeface="微軟正黑體" pitchFamily="34" charset="-120"/>
+              </a:rPr>
+              <a:t>仍沒有轉動影兒</a:t>
+            </a:r>
+            <a:endParaRPr lang="zh-TW" altLang="en-US" sz="4800" b="1" dirty="0">
+              <a:solidFill>
+                <a:srgbClr val="000066"/>
+              </a:solidFill>
+              <a:latin typeface="微軟正黑體" pitchFamily="34" charset="-120"/>
+              <a:ea typeface="微軟正黑體" pitchFamily="34" charset="-120"/>
+            </a:endParaRPr>
+          </a:p>
+        </p:txBody>
+      </p:sp>
+    </p:spTree>
+    <p:extLst>
+      <p:ext uri="{BB962C8B-B14F-4D97-AF65-F5344CB8AC3E}">
+        <p14:creationId xmlns:p14="http://schemas.microsoft.com/office/powerpoint/2010/main" val="1967202665"/>
+      </p:ext>
+    </p:extLst>
   </p:cSld>
   <p:clrMapOvr>
     <a:masterClrMapping/>
